--- a/Fine Grained Emotion Recognition for Counselling.pptx
+++ b/Fine Grained Emotion Recognition for Counselling.pptx
@@ -6,11 +6,15 @@
   </p:sldMasterIdLst>
   <p:sldIdLst>
     <p:sldId id="256" r:id="rId2"/>
-    <p:sldId id="257" r:id="rId3"/>
-    <p:sldId id="260" r:id="rId4"/>
-    <p:sldId id="261" r:id="rId5"/>
-    <p:sldId id="258" r:id="rId6"/>
-    <p:sldId id="259" r:id="rId7"/>
+    <p:sldId id="267" r:id="rId3"/>
+    <p:sldId id="262" r:id="rId4"/>
+    <p:sldId id="266" r:id="rId5"/>
+    <p:sldId id="268" r:id="rId6"/>
+    <p:sldId id="269" r:id="rId7"/>
+    <p:sldId id="259" r:id="rId8"/>
+    <p:sldId id="265" r:id="rId9"/>
+    <p:sldId id="264" r:id="rId10"/>
+    <p:sldId id="263" r:id="rId11"/>
   </p:sldIdLst>
   <p:sldSz cx="12192000" cy="6858000"/>
   <p:notesSz cx="6858000" cy="9144000"/>
@@ -839,7 +843,7 @@
           <a:p>
             <a:fld id="{5A3A72D3-FD53-40F1-A88F-865BF0BEBC21}" type="datetimeFigureOut">
               <a:rPr lang="en-IN" smtClean="0"/>
-              <a:t>21-06-2021</a:t>
+              <a:t>29-07-2021</a:t>
             </a:fld>
             <a:endParaRPr lang="en-IN"/>
           </a:p>
@@ -1090,7 +1094,7 @@
           <a:p>
             <a:fld id="{5A3A72D3-FD53-40F1-A88F-865BF0BEBC21}" type="datetimeFigureOut">
               <a:rPr lang="en-IN" smtClean="0"/>
-              <a:t>21-06-2021</a:t>
+              <a:t>29-07-2021</a:t>
             </a:fld>
             <a:endParaRPr lang="en-IN"/>
           </a:p>
@@ -1404,7 +1408,7 @@
           <a:p>
             <a:fld id="{5A3A72D3-FD53-40F1-A88F-865BF0BEBC21}" type="datetimeFigureOut">
               <a:rPr lang="en-IN" smtClean="0"/>
-              <a:t>21-06-2021</a:t>
+              <a:t>29-07-2021</a:t>
             </a:fld>
             <a:endParaRPr lang="en-IN"/>
           </a:p>
@@ -1745,7 +1749,7 @@
           <a:p>
             <a:fld id="{5A3A72D3-FD53-40F1-A88F-865BF0BEBC21}" type="datetimeFigureOut">
               <a:rPr lang="en-IN" smtClean="0"/>
-              <a:t>21-06-2021</a:t>
+              <a:t>29-07-2021</a:t>
             </a:fld>
             <a:endParaRPr lang="en-IN"/>
           </a:p>
@@ -2059,7 +2063,7 @@
           <a:p>
             <a:fld id="{5A3A72D3-FD53-40F1-A88F-865BF0BEBC21}" type="datetimeFigureOut">
               <a:rPr lang="en-IN" smtClean="0"/>
-              <a:t>21-06-2021</a:t>
+              <a:t>29-07-2021</a:t>
             </a:fld>
             <a:endParaRPr lang="en-IN"/>
           </a:p>
@@ -2452,7 +2456,7 @@
           <a:p>
             <a:fld id="{5A3A72D3-FD53-40F1-A88F-865BF0BEBC21}" type="datetimeFigureOut">
               <a:rPr lang="en-IN" smtClean="0"/>
-              <a:t>21-06-2021</a:t>
+              <a:t>29-07-2021</a:t>
             </a:fld>
             <a:endParaRPr lang="en-IN"/>
           </a:p>
@@ -2622,7 +2626,7 @@
           <a:p>
             <a:fld id="{5A3A72D3-FD53-40F1-A88F-865BF0BEBC21}" type="datetimeFigureOut">
               <a:rPr lang="en-IN" smtClean="0"/>
-              <a:t>21-06-2021</a:t>
+              <a:t>29-07-2021</a:t>
             </a:fld>
             <a:endParaRPr lang="en-IN"/>
           </a:p>
@@ -2802,7 +2806,7 @@
           <a:p>
             <a:fld id="{5A3A72D3-FD53-40F1-A88F-865BF0BEBC21}" type="datetimeFigureOut">
               <a:rPr lang="en-IN" smtClean="0"/>
-              <a:t>21-06-2021</a:t>
+              <a:t>29-07-2021</a:t>
             </a:fld>
             <a:endParaRPr lang="en-IN"/>
           </a:p>
@@ -2978,7 +2982,7 @@
           <a:p>
             <a:fld id="{5A3A72D3-FD53-40F1-A88F-865BF0BEBC21}" type="datetimeFigureOut">
               <a:rPr lang="en-IN" smtClean="0"/>
-              <a:t>21-06-2021</a:t>
+              <a:t>29-07-2021</a:t>
             </a:fld>
             <a:endParaRPr lang="en-IN"/>
           </a:p>
@@ -3225,7 +3229,7 @@
           <a:p>
             <a:fld id="{5A3A72D3-FD53-40F1-A88F-865BF0BEBC21}" type="datetimeFigureOut">
               <a:rPr lang="en-IN" smtClean="0"/>
-              <a:t>21-06-2021</a:t>
+              <a:t>29-07-2021</a:t>
             </a:fld>
             <a:endParaRPr lang="en-IN"/>
           </a:p>
@@ -3457,7 +3461,7 @@
           <a:p>
             <a:fld id="{5A3A72D3-FD53-40F1-A88F-865BF0BEBC21}" type="datetimeFigureOut">
               <a:rPr lang="en-IN" smtClean="0"/>
-              <a:t>21-06-2021</a:t>
+              <a:t>29-07-2021</a:t>
             </a:fld>
             <a:endParaRPr lang="en-IN"/>
           </a:p>
@@ -3831,7 +3835,7 @@
           <a:p>
             <a:fld id="{5A3A72D3-FD53-40F1-A88F-865BF0BEBC21}" type="datetimeFigureOut">
               <a:rPr lang="en-IN" smtClean="0"/>
-              <a:t>21-06-2021</a:t>
+              <a:t>29-07-2021</a:t>
             </a:fld>
             <a:endParaRPr lang="en-IN"/>
           </a:p>
@@ -3954,7 +3958,7 @@
           <a:p>
             <a:fld id="{5A3A72D3-FD53-40F1-A88F-865BF0BEBC21}" type="datetimeFigureOut">
               <a:rPr lang="en-IN" smtClean="0"/>
-              <a:t>21-06-2021</a:t>
+              <a:t>29-07-2021</a:t>
             </a:fld>
             <a:endParaRPr lang="en-IN"/>
           </a:p>
@@ -4049,7 +4053,7 @@
           <a:p>
             <a:fld id="{5A3A72D3-FD53-40F1-A88F-865BF0BEBC21}" type="datetimeFigureOut">
               <a:rPr lang="en-IN" smtClean="0"/>
-              <a:t>21-06-2021</a:t>
+              <a:t>29-07-2021</a:t>
             </a:fld>
             <a:endParaRPr lang="en-IN"/>
           </a:p>
@@ -4304,7 +4308,7 @@
           <a:p>
             <a:fld id="{5A3A72D3-FD53-40F1-A88F-865BF0BEBC21}" type="datetimeFigureOut">
               <a:rPr lang="en-IN" smtClean="0"/>
-              <a:t>21-06-2021</a:t>
+              <a:t>29-07-2021</a:t>
             </a:fld>
             <a:endParaRPr lang="en-IN"/>
           </a:p>
@@ -4567,7 +4571,7 @@
           <a:p>
             <a:fld id="{5A3A72D3-FD53-40F1-A88F-865BF0BEBC21}" type="datetimeFigureOut">
               <a:rPr lang="en-IN" smtClean="0"/>
-              <a:t>21-06-2021</a:t>
+              <a:t>29-07-2021</a:t>
             </a:fld>
             <a:endParaRPr lang="en-IN"/>
           </a:p>
@@ -5310,7 +5314,7 @@
           <a:p>
             <a:fld id="{5A3A72D3-FD53-40F1-A88F-865BF0BEBC21}" type="datetimeFigureOut">
               <a:rPr lang="en-IN" smtClean="0"/>
-              <a:t>21-06-2021</a:t>
+              <a:t>29-07-2021</a:t>
             </a:fld>
             <a:endParaRPr lang="en-IN"/>
           </a:p>
@@ -5904,6 +5908,155 @@
 </p:sld>
 </file>
 
+<file path=ppt/slides/slide10.xml><?xml version="1.0" encoding="utf-8"?>
+<p:sld xmlns:a="http://schemas.openxmlformats.org/drawingml/2006/main" xmlns:r="http://schemas.openxmlformats.org/officeDocument/2006/relationships" xmlns:p="http://schemas.openxmlformats.org/presentationml/2006/main">
+  <p:cSld>
+    <p:spTree>
+      <p:nvGrpSpPr>
+        <p:cNvPr id="1" name=""/>
+        <p:cNvGrpSpPr/>
+        <p:nvPr/>
+      </p:nvGrpSpPr>
+      <p:grpSpPr>
+        <a:xfrm>
+          <a:off x="0" y="0"/>
+          <a:ext cx="0" cy="0"/>
+          <a:chOff x="0" y="0"/>
+          <a:chExt cx="0" cy="0"/>
+        </a:xfrm>
+      </p:grpSpPr>
+      <p:sp>
+        <p:nvSpPr>
+          <p:cNvPr id="2" name="Title 1">
+            <a:extLst>
+              <a:ext uri="{FF2B5EF4-FFF2-40B4-BE49-F238E27FC236}">
+                <a16:creationId xmlns:a16="http://schemas.microsoft.com/office/drawing/2014/main" id="{3D6263EF-E8CD-4A1F-9628-CBD6883CF556}"/>
+              </a:ext>
+            </a:extLst>
+          </p:cNvPr>
+          <p:cNvSpPr>
+            <a:spLocks noGrp="1"/>
+          </p:cNvSpPr>
+          <p:nvPr>
+            <p:ph type="title"/>
+          </p:nvPr>
+        </p:nvSpPr>
+        <p:spPr/>
+        <p:txBody>
+          <a:bodyPr/>
+          <a:lstStyle/>
+          <a:p>
+            <a:r>
+              <a:rPr lang="en-IN" dirty="0"/>
+              <a:t>Result Analysis</a:t>
+            </a:r>
+          </a:p>
+        </p:txBody>
+      </p:sp>
+      <p:sp>
+        <p:nvSpPr>
+          <p:cNvPr id="3" name="Content Placeholder 2">
+            <a:extLst>
+              <a:ext uri="{FF2B5EF4-FFF2-40B4-BE49-F238E27FC236}">
+                <a16:creationId xmlns:a16="http://schemas.microsoft.com/office/drawing/2014/main" id="{EFFBE40B-DF52-4127-AD44-F67FE269112D}"/>
+              </a:ext>
+            </a:extLst>
+          </p:cNvPr>
+          <p:cNvSpPr>
+            <a:spLocks noGrp="1"/>
+          </p:cNvSpPr>
+          <p:nvPr>
+            <p:ph idx="1"/>
+          </p:nvPr>
+        </p:nvSpPr>
+        <p:spPr/>
+        <p:txBody>
+          <a:bodyPr/>
+          <a:lstStyle/>
+          <a:p>
+            <a:pPr rtl="0">
+              <a:spcBef>
+                <a:spcPts val="0"/>
+              </a:spcBef>
+              <a:spcAft>
+                <a:spcPts val="0"/>
+              </a:spcAft>
+            </a:pPr>
+            <a:r>
+              <a:rPr lang="en-US" sz="1800" b="0" i="0" u="none" strike="noStrike" dirty="0">
+                <a:solidFill>
+                  <a:srgbClr val="000000"/>
+                </a:solidFill>
+                <a:effectLst/>
+                <a:latin typeface="Liberation Serif"/>
+              </a:rPr>
+              <a:t>The Best Accuracy of </a:t>
+            </a:r>
+            <a:r>
+              <a:rPr lang="en-US" sz="1800" b="1" i="0" u="none" strike="noStrike" dirty="0">
+                <a:solidFill>
+                  <a:srgbClr val="000000"/>
+                </a:solidFill>
+                <a:effectLst/>
+                <a:latin typeface="Liberation Serif"/>
+              </a:rPr>
+              <a:t>74%</a:t>
+            </a:r>
+            <a:r>
+              <a:rPr lang="en-US" sz="1800" b="0" i="0" u="none" strike="noStrike" dirty="0">
+                <a:solidFill>
+                  <a:srgbClr val="000000"/>
+                </a:solidFill>
+                <a:effectLst/>
+                <a:latin typeface="Liberation Serif"/>
+              </a:rPr>
+              <a:t> is given by the </a:t>
+            </a:r>
+            <a:r>
+              <a:rPr lang="en-US" sz="1800" b="1" i="0" u="none" strike="noStrike" dirty="0">
+                <a:solidFill>
+                  <a:srgbClr val="000000"/>
+                </a:solidFill>
+                <a:effectLst/>
+                <a:latin typeface="Liberation Serif"/>
+              </a:rPr>
+              <a:t>Logistic Regression Model</a:t>
+            </a:r>
+            <a:r>
+              <a:rPr lang="en-US" sz="1800" b="0" i="0" u="none" strike="noStrike" dirty="0">
+                <a:solidFill>
+                  <a:srgbClr val="000000"/>
+                </a:solidFill>
+                <a:effectLst/>
+                <a:latin typeface="Liberation Serif"/>
+              </a:rPr>
+              <a:t> .</a:t>
+            </a:r>
+            <a:endParaRPr lang="en-US" b="0" dirty="0">
+              <a:effectLst/>
+            </a:endParaRPr>
+          </a:p>
+          <a:p>
+            <a:r>
+              <a:rPr lang="en-IN" dirty="0"/>
+              <a:t>We will use model trained with Logistic Regression algorithm for prediction of emotions from the input text data.</a:t>
+            </a:r>
+          </a:p>
+        </p:txBody>
+      </p:sp>
+    </p:spTree>
+    <p:extLst>
+      <p:ext uri="{BB962C8B-B14F-4D97-AF65-F5344CB8AC3E}">
+        <p14:creationId xmlns:p14="http://schemas.microsoft.com/office/powerpoint/2010/main" val="682054501"/>
+      </p:ext>
+    </p:extLst>
+  </p:cSld>
+  <p:clrMapOvr>
+    <a:masterClrMapping/>
+  </p:clrMapOvr>
+</p:sld>
+</file>
+
 <file path=ppt/slides/slide2.xml><?xml version="1.0" encoding="utf-8"?>
 <p:sld xmlns:a="http://schemas.openxmlformats.org/drawingml/2006/main" xmlns:r="http://schemas.openxmlformats.org/officeDocument/2006/relationships" xmlns:p="http://schemas.openxmlformats.org/presentationml/2006/main">
   <p:cSld>
@@ -5926,7 +6079,7 @@
           <p:cNvPr id="2" name="Title 1">
             <a:extLst>
               <a:ext uri="{FF2B5EF4-FFF2-40B4-BE49-F238E27FC236}">
-                <a16:creationId xmlns:a16="http://schemas.microsoft.com/office/drawing/2014/main" id="{A91A6795-ECE2-4A3B-B342-9BA2CFBFD1DB}"/>
+                <a16:creationId xmlns:a16="http://schemas.microsoft.com/office/drawing/2014/main" id="{3D6D61DF-AB6F-4171-AD29-6A8EC9A1D206}"/>
               </a:ext>
             </a:extLst>
           </p:cNvPr>
@@ -5939,13 +6092,21 @@
         </p:nvSpPr>
         <p:spPr/>
         <p:txBody>
-          <a:bodyPr/>
-          <a:lstStyle/>
-          <a:p>
-            <a:pPr algn="ctr"/>
+          <a:bodyPr>
+            <a:normAutofit fontScale="90000"/>
+          </a:bodyPr>
+          <a:lstStyle/>
+          <a:p>
             <a:r>
               <a:rPr lang="en-IN" dirty="0"/>
-              <a:t>Dataset</a:t>
+              <a:t>Problem Statement :</a:t>
+            </a:r>
+            <a:br>
+              <a:rPr lang="en-IN" dirty="0"/>
+            </a:br>
+            <a:r>
+              <a:rPr lang="en-IN" sz="3100" dirty="0"/>
+              <a:t>Fine Grained Emotion Recognition For Counselling</a:t>
             </a:r>
           </a:p>
         </p:txBody>
@@ -5955,7 +6116,7 @@
           <p:cNvPr id="3" name="Content Placeholder 2">
             <a:extLst>
               <a:ext uri="{FF2B5EF4-FFF2-40B4-BE49-F238E27FC236}">
-                <a16:creationId xmlns:a16="http://schemas.microsoft.com/office/drawing/2014/main" id="{C894CA20-0B8F-41CF-AEC4-4937576E93F5}"/>
+                <a16:creationId xmlns:a16="http://schemas.microsoft.com/office/drawing/2014/main" id="{B4D587BB-EAD0-49EB-9311-5CB7A7CD8C0B}"/>
               </a:ext>
             </a:extLst>
           </p:cNvPr>
@@ -5969,52 +6130,110 @@
         <p:spPr/>
         <p:txBody>
           <a:bodyPr>
-            <a:normAutofit fontScale="92500"/>
+            <a:normAutofit/>
           </a:bodyPr>
           <a:lstStyle/>
           <a:p>
-            <a:r>
-              <a:rPr lang="en-US" dirty="0"/>
-              <a:t>The dataset </a:t>
-            </a:r>
-            <a:r>
-              <a:rPr lang="en-US" b="1" dirty="0" err="1"/>
-              <a:t>Dreaddit</a:t>
-            </a:r>
-            <a:r>
-              <a:rPr lang="en-US" dirty="0"/>
-              <a:t> is a new text corpus of lengthy multi-domain social media data for the identification of various emotions. The dataset consists of 190K posts from five different categories of Reddit communities with additionally labelled 3.5K total segments taken from 3K posts using Amazon Mechanical Turk. </a:t>
-            </a:r>
-          </a:p>
-          <a:p>
-            <a:r>
-              <a:rPr lang="en-US" dirty="0"/>
-              <a:t>The dataset includes ten subreddits in the five domains of </a:t>
-            </a:r>
-            <a:r>
-              <a:rPr lang="en-US" b="1" dirty="0"/>
-              <a:t>Abuse, anxiety, financial, PTSD ,social .</a:t>
-            </a:r>
-          </a:p>
-          <a:p>
-            <a:r>
-              <a:rPr lang="en-US" dirty="0"/>
-              <a:t>This corpus will facilitate the development of models for this problem, which has diverse applications in areas such as diagnosing physical and mental illness, gauging public mood and worries in politics and economics, and tracking the effects of disasters.</a:t>
-            </a:r>
-          </a:p>
-          <a:p>
-            <a:r>
-              <a:rPr lang="en-US" dirty="0"/>
-              <a:t>The average length of a post in the dataset is </a:t>
-            </a:r>
-            <a:r>
-              <a:rPr lang="en-US" b="1" dirty="0"/>
-              <a:t>420 tokens</a:t>
-            </a:r>
-            <a:r>
-              <a:rPr lang="en-US" dirty="0"/>
-              <a:t>, much longer than most microblog data (e.g., Twitter’s character limit as of this writing is 280 characters).</a:t>
-            </a:r>
+            <a:pPr rtl="0">
+              <a:spcBef>
+                <a:spcPts val="0"/>
+              </a:spcBef>
+              <a:spcAft>
+                <a:spcPts val="0"/>
+              </a:spcAft>
+            </a:pPr>
+            <a:r>
+              <a:rPr lang="en-US" b="0" dirty="0">
+                <a:solidFill>
+                  <a:schemeClr val="tx1"/>
+                </a:solidFill>
+                <a:effectLst/>
+              </a:rPr>
+              <a:t>Our model </a:t>
+            </a:r>
+            <a:r>
+              <a:rPr lang="en-US" sz="1800" b="0" i="0" u="none" strike="noStrike" dirty="0">
+                <a:solidFill>
+                  <a:srgbClr val="000000"/>
+                </a:solidFill>
+                <a:effectLst/>
+                <a:latin typeface="Arial" panose="020B0604020202020204" pitchFamily="34" charset="0"/>
+              </a:rPr>
+              <a:t>detects fine-grained emotion types from health-related posts and show how high-level and abstract features can be employed to detect emotions 	</a:t>
+            </a:r>
+            <a:endParaRPr lang="en-US" b="0" dirty="0">
+              <a:effectLst/>
+            </a:endParaRPr>
+          </a:p>
+          <a:p>
+            <a:r>
+              <a:rPr lang="en-US" dirty="0">
+                <a:solidFill>
+                  <a:srgbClr val="000000"/>
+                </a:solidFill>
+                <a:latin typeface="Arial" panose="020B0604020202020204" pitchFamily="34" charset="0"/>
+              </a:rPr>
+              <a:t>T</a:t>
+            </a:r>
+            <a:r>
+              <a:rPr lang="en-US" sz="1800" b="0" i="0" u="none" strike="noStrike" dirty="0">
+                <a:solidFill>
+                  <a:srgbClr val="000000"/>
+                </a:solidFill>
+                <a:effectLst/>
+                <a:latin typeface="Arial" panose="020B0604020202020204" pitchFamily="34" charset="0"/>
+              </a:rPr>
+              <a:t>ext data is taken as input from the user and is used it to </a:t>
+            </a:r>
+            <a:r>
+              <a:rPr lang="en-US" sz="1800" b="0" i="0" u="none" strike="noStrike" dirty="0" err="1">
+                <a:solidFill>
+                  <a:srgbClr val="000000"/>
+                </a:solidFill>
+                <a:effectLst/>
+                <a:latin typeface="Arial" panose="020B0604020202020204" pitchFamily="34" charset="0"/>
+              </a:rPr>
+              <a:t>analyse</a:t>
+            </a:r>
+            <a:r>
+              <a:rPr lang="en-US" sz="1800" b="0" i="0" u="none" strike="noStrike" dirty="0">
+                <a:solidFill>
+                  <a:srgbClr val="000000"/>
+                </a:solidFill>
+                <a:effectLst/>
+                <a:latin typeface="Arial" panose="020B0604020202020204" pitchFamily="34" charset="0"/>
+              </a:rPr>
+              <a:t> the emotions based on the text input by the user . In the initial stage of the model we keep it simple to </a:t>
+            </a:r>
+            <a:r>
+              <a:rPr lang="en-US" sz="1800" b="0" i="0" u="none" strike="noStrike" dirty="0" err="1">
+                <a:solidFill>
+                  <a:srgbClr val="000000"/>
+                </a:solidFill>
+                <a:effectLst/>
+                <a:latin typeface="Arial" panose="020B0604020202020204" pitchFamily="34" charset="0"/>
+              </a:rPr>
+              <a:t>analyse</a:t>
+            </a:r>
+            <a:r>
+              <a:rPr lang="en-US" sz="1800" b="0" i="0" u="none" strike="noStrike" dirty="0">
+                <a:solidFill>
+                  <a:srgbClr val="000000"/>
+                </a:solidFill>
+                <a:effectLst/>
+                <a:latin typeface="Arial" panose="020B0604020202020204" pitchFamily="34" charset="0"/>
+              </a:rPr>
+              <a:t> two emotions i.e. stress and not stress based on our dataset .</a:t>
+            </a:r>
+            <a:br>
+              <a:rPr lang="en-US" sz="1800" b="0" i="0" u="none" strike="noStrike" dirty="0">
+                <a:solidFill>
+                  <a:srgbClr val="000000"/>
+                </a:solidFill>
+                <a:effectLst/>
+                <a:latin typeface="Arial" panose="020B0604020202020204" pitchFamily="34" charset="0"/>
+              </a:rPr>
+            </a:br>
             <a:endParaRPr lang="en-IN" dirty="0"/>
           </a:p>
         </p:txBody>
@@ -6022,7 +6241,7 @@
     </p:spTree>
     <p:extLst>
       <p:ext uri="{BB962C8B-B14F-4D97-AF65-F5344CB8AC3E}">
-        <p14:creationId xmlns:p14="http://schemas.microsoft.com/office/powerpoint/2010/main" val="3976950281"/>
+        <p14:creationId xmlns:p14="http://schemas.microsoft.com/office/powerpoint/2010/main" val="4094796361"/>
       </p:ext>
     </p:extLst>
   </p:cSld>
@@ -6054,7 +6273,7 @@
           <p:cNvPr id="2" name="Title 1">
             <a:extLst>
               <a:ext uri="{FF2B5EF4-FFF2-40B4-BE49-F238E27FC236}">
-                <a16:creationId xmlns:a16="http://schemas.microsoft.com/office/drawing/2014/main" id="{716E9DF3-1A84-4D01-A0C8-D412371A0BAB}"/>
+                <a16:creationId xmlns:a16="http://schemas.microsoft.com/office/drawing/2014/main" id="{E6B2A690-834B-4D42-A57C-07A29C8838D4}"/>
               </a:ext>
             </a:extLst>
           </p:cNvPr>
@@ -6072,44 +6291,54 @@
           <a:p>
             <a:r>
               <a:rPr lang="en-IN" dirty="0"/>
-              <a:t>Example from Dataset</a:t>
-            </a:r>
-          </a:p>
-        </p:txBody>
-      </p:sp>
-      <p:pic>
-        <p:nvPicPr>
-          <p:cNvPr id="5" name="Content Placeholder 4">
+              <a:t>Objective</a:t>
+            </a:r>
+          </a:p>
+        </p:txBody>
+      </p:sp>
+      <p:sp>
+        <p:nvSpPr>
+          <p:cNvPr id="3" name="Content Placeholder 2">
             <a:extLst>
               <a:ext uri="{FF2B5EF4-FFF2-40B4-BE49-F238E27FC236}">
-                <a16:creationId xmlns:a16="http://schemas.microsoft.com/office/drawing/2014/main" id="{35C38AA9-0615-4990-9487-8E9C448D7881}"/>
+                <a16:creationId xmlns:a16="http://schemas.microsoft.com/office/drawing/2014/main" id="{722265A7-A118-408E-88B4-5EF8FE19D1F7}"/>
               </a:ext>
             </a:extLst>
           </p:cNvPr>
-          <p:cNvPicPr>
-            <a:picLocks noGrp="1" noChangeAspect="1"/>
-          </p:cNvPicPr>
+          <p:cNvSpPr>
+            <a:spLocks noGrp="1"/>
+          </p:cNvSpPr>
           <p:nvPr>
             <p:ph idx="1"/>
           </p:nvPr>
-        </p:nvPicPr>
-        <p:blipFill>
-          <a:blip r:embed="rId2"/>
-          <a:stretch>
-            <a:fillRect/>
-          </a:stretch>
-        </p:blipFill>
-        <p:spPr>
-          <a:xfrm>
-            <a:off x="2272684" y="2258448"/>
-            <a:ext cx="5633744" cy="3840511"/>
-          </a:xfrm>
-        </p:spPr>
-      </p:pic>
+        </p:nvSpPr>
+        <p:spPr/>
+        <p:txBody>
+          <a:bodyPr/>
+          <a:lstStyle/>
+          <a:p>
+            <a:r>
+              <a:rPr lang="en-US" sz="1800" b="0" i="0" u="none" strike="noStrike" dirty="0">
+                <a:solidFill>
+                  <a:srgbClr val="000000"/>
+                </a:solidFill>
+                <a:effectLst/>
+                <a:latin typeface="Arial" panose="020B0604020202020204" pitchFamily="34" charset="0"/>
+                <a:cs typeface="Arial" panose="020B0604020202020204" pitchFamily="34" charset="0"/>
+              </a:rPr>
+              <a:t>To build a fine grained emotion recognition system for counselling.</a:t>
+            </a:r>
+            <a:endParaRPr lang="en-IN" dirty="0">
+              <a:latin typeface="Arial" panose="020B0604020202020204" pitchFamily="34" charset="0"/>
+              <a:cs typeface="Arial" panose="020B0604020202020204" pitchFamily="34" charset="0"/>
+            </a:endParaRPr>
+          </a:p>
+        </p:txBody>
+      </p:sp>
     </p:spTree>
     <p:extLst>
       <p:ext uri="{BB962C8B-B14F-4D97-AF65-F5344CB8AC3E}">
-        <p14:creationId xmlns:p14="http://schemas.microsoft.com/office/powerpoint/2010/main" val="1917144198"/>
+        <p14:creationId xmlns:p14="http://schemas.microsoft.com/office/powerpoint/2010/main" val="3535431068"/>
       </p:ext>
     </p:extLst>
   </p:cSld>
@@ -6141,7 +6370,7 @@
           <p:cNvPr id="2" name="Title 1">
             <a:extLst>
               <a:ext uri="{FF2B5EF4-FFF2-40B4-BE49-F238E27FC236}">
-                <a16:creationId xmlns:a16="http://schemas.microsoft.com/office/drawing/2014/main" id="{CBAC5388-59D2-49D4-80E6-93C8492D29A1}"/>
+                <a16:creationId xmlns:a16="http://schemas.microsoft.com/office/drawing/2014/main" id="{D38DC999-DA47-43F3-8E83-C4B284034878}"/>
               </a:ext>
             </a:extLst>
           </p:cNvPr>
@@ -6159,141 +6388,64 @@
           <a:p>
             <a:r>
               <a:rPr lang="en-IN" dirty="0"/>
-              <a:t>Categories in the Dataset for Analysis</a:t>
-            </a:r>
-          </a:p>
-        </p:txBody>
-      </p:sp>
-      <p:sp>
-        <p:nvSpPr>
-          <p:cNvPr id="3" name="Content Placeholder 2">
+              <a:t>System/Software Architecture</a:t>
+            </a:r>
+          </a:p>
+        </p:txBody>
+      </p:sp>
+      <p:pic>
+        <p:nvPicPr>
+          <p:cNvPr id="1026" name="Picture 2">
             <a:extLst>
               <a:ext uri="{FF2B5EF4-FFF2-40B4-BE49-F238E27FC236}">
-                <a16:creationId xmlns:a16="http://schemas.microsoft.com/office/drawing/2014/main" id="{11EB5768-06F4-4E06-892A-17F9E9940B44}"/>
+                <a16:creationId xmlns:a16="http://schemas.microsoft.com/office/drawing/2014/main" id="{A9108F5C-E789-45B8-980B-44479F3B776B}"/>
               </a:ext>
             </a:extLst>
           </p:cNvPr>
-          <p:cNvSpPr>
-            <a:spLocks noGrp="1"/>
-          </p:cNvSpPr>
+          <p:cNvPicPr>
+            <a:picLocks noGrp="1" noChangeAspect="1" noChangeArrowheads="1"/>
+          </p:cNvPicPr>
           <p:nvPr>
             <p:ph idx="1"/>
           </p:nvPr>
-        </p:nvSpPr>
-        <p:spPr/>
-        <p:txBody>
-          <a:bodyPr>
-            <a:normAutofit fontScale="92500" lnSpcReduction="10000"/>
-          </a:bodyPr>
-          <a:lstStyle/>
-          <a:p>
-            <a:r>
-              <a:rPr lang="en-US" dirty="0"/>
-              <a:t>In addition to the words of the posts (both as bag-of-n-grams and distributed word embeddings), the dataset includes features in three categories:</a:t>
-            </a:r>
-          </a:p>
-          <a:p>
-            <a:r>
-              <a:rPr lang="en-US" b="1" dirty="0"/>
-              <a:t>The three categories are :</a:t>
-            </a:r>
-          </a:p>
-          <a:p>
-            <a:r>
-              <a:rPr lang="en-US" dirty="0"/>
-              <a:t> </a:t>
-            </a:r>
-            <a:r>
-              <a:rPr lang="en-US" b="1" dirty="0"/>
-              <a:t>Lexical features:</a:t>
-            </a:r>
-            <a:r>
-              <a:rPr lang="en-US" dirty="0"/>
-              <a:t> Average, maximum, and minimum scores for pleasantness, activation, and imagery from the Dictionary of Affect in Language (DAL) (</a:t>
-            </a:r>
-            <a:r>
-              <a:rPr lang="en-US" dirty="0" err="1"/>
-              <a:t>Whissel</a:t>
-            </a:r>
-            <a:r>
-              <a:rPr lang="en-US" dirty="0"/>
-              <a:t>, 2009); the full suite of 93 LIWC features; and sentiment calculated using the Pattern sentiment library (</a:t>
-            </a:r>
-            <a:r>
-              <a:rPr lang="en-US" dirty="0" err="1"/>
-              <a:t>Smedt</a:t>
-            </a:r>
-            <a:r>
-              <a:rPr lang="en-US" dirty="0"/>
-              <a:t> and </a:t>
-            </a:r>
-            <a:r>
-              <a:rPr lang="en-US" dirty="0" err="1"/>
-              <a:t>Daelemans</a:t>
-            </a:r>
-            <a:r>
-              <a:rPr lang="en-US" dirty="0"/>
-              <a:t>, 2012).</a:t>
-            </a:r>
-          </a:p>
-          <a:p>
-            <a:r>
-              <a:rPr lang="en-US" b="1" dirty="0"/>
-              <a:t>Syntactic features:</a:t>
-            </a:r>
-            <a:r>
-              <a:rPr lang="en-US" dirty="0"/>
-              <a:t> Part-of-speech unigrams and bigrams, the Flesch-Kincaid Grade Level, and the Automated Readability Index. </a:t>
-            </a:r>
-          </a:p>
-          <a:p>
-            <a:r>
-              <a:rPr lang="en-US" b="1" dirty="0"/>
-              <a:t>Social media features:</a:t>
-            </a:r>
-            <a:r>
-              <a:rPr lang="en-US" dirty="0"/>
-              <a:t> The UTC timestamp of the post; the ratio of upvotes to downvotes on the post, where an upvote roughly corresponds to a reaction of “like” and a downvote to “dislike” (upvote ratio); the net score of the post (karma) (calculated by Reddit, </a:t>
-            </a:r>
-            <a:r>
-              <a:rPr lang="en-US" dirty="0">
-                <a:sym typeface="Symbol" panose="05050102010706020507" pitchFamily="18" charset="2"/>
-              </a:rPr>
-              <a:t> </a:t>
-            </a:r>
-            <a:r>
-              <a:rPr lang="en-US" baseline="-16000" dirty="0"/>
-              <a:t>upvotes</a:t>
-            </a:r>
-            <a:r>
-              <a:rPr lang="en-US" dirty="0"/>
-              <a:t> − </a:t>
-            </a:r>
-            <a:r>
-              <a:rPr lang="en-US" dirty="0">
-                <a:sym typeface="Symbol" panose="05050102010706020507" pitchFamily="18" charset="2"/>
-              </a:rPr>
-              <a:t> </a:t>
-            </a:r>
-            <a:r>
-              <a:rPr lang="en-US" baseline="-14000" dirty="0"/>
-              <a:t>downvotes</a:t>
-            </a:r>
-            <a:r>
-              <a:rPr lang="en-US" dirty="0"/>
-              <a:t>) ; and the total number of comments in the entire thread under the post</a:t>
-            </a:r>
-            <a:endParaRPr lang="en-IN" dirty="0"/>
-          </a:p>
-          <a:p>
-            <a:endParaRPr lang="en-IN" dirty="0"/>
-          </a:p>
-        </p:txBody>
-      </p:sp>
+        </p:nvPicPr>
+        <p:blipFill>
+          <a:blip r:embed="rId2">
+            <a:extLst>
+              <a:ext uri="{28A0092B-C50C-407E-A947-70E740481C1C}">
+                <a14:useLocalDpi xmlns:a14="http://schemas.microsoft.com/office/drawing/2010/main" val="0"/>
+              </a:ext>
+            </a:extLst>
+          </a:blip>
+          <a:srcRect/>
+          <a:stretch>
+            <a:fillRect/>
+          </a:stretch>
+        </p:blipFill>
+        <p:spPr bwMode="auto">
+          <a:xfrm>
+            <a:off x="541538" y="1695636"/>
+            <a:ext cx="8504808" cy="4953739"/>
+          </a:xfrm>
+          <a:prstGeom prst="rect">
+            <a:avLst/>
+          </a:prstGeom>
+          <a:noFill/>
+          <a:extLst>
+            <a:ext uri="{909E8E84-426E-40DD-AFC4-6F175D3DCCD1}">
+              <a14:hiddenFill xmlns:a14="http://schemas.microsoft.com/office/drawing/2010/main">
+                <a:solidFill>
+                  <a:srgbClr val="FFFFFF"/>
+                </a:solidFill>
+              </a14:hiddenFill>
+            </a:ext>
+          </a:extLst>
+        </p:spPr>
+      </p:pic>
     </p:spTree>
     <p:extLst>
       <p:ext uri="{BB962C8B-B14F-4D97-AF65-F5344CB8AC3E}">
-        <p14:creationId xmlns:p14="http://schemas.microsoft.com/office/powerpoint/2010/main" val="1653516090"/>
+        <p14:creationId xmlns:p14="http://schemas.microsoft.com/office/powerpoint/2010/main" val="2890316362"/>
       </p:ext>
     </p:extLst>
   </p:cSld>
@@ -6325,7 +6477,7 @@
           <p:cNvPr id="2" name="Title 1">
             <a:extLst>
               <a:ext uri="{FF2B5EF4-FFF2-40B4-BE49-F238E27FC236}">
-                <a16:creationId xmlns:a16="http://schemas.microsoft.com/office/drawing/2014/main" id="{35C39D1F-EFA8-4FC6-B902-692453736EDA}"/>
+                <a16:creationId xmlns:a16="http://schemas.microsoft.com/office/drawing/2014/main" id="{805AE480-5534-4D3F-9333-E237E1688543}"/>
               </a:ext>
             </a:extLst>
           </p:cNvPr>
@@ -6338,26 +6490,41 @@
         </p:nvSpPr>
         <p:spPr/>
         <p:txBody>
-          <a:bodyPr/>
+          <a:bodyPr>
+            <a:normAutofit/>
+          </a:bodyPr>
           <a:lstStyle/>
           <a:p>
             <a:r>
               <a:rPr lang="en-IN" dirty="0"/>
-              <a:t>About the Dataset</a:t>
+              <a:t>Dataset :</a:t>
             </a:r>
             <a:br>
               <a:rPr lang="en-IN" dirty="0"/>
             </a:br>
-            <a:endParaRPr lang="en-IN" dirty="0"/>
-          </a:p>
-        </p:txBody>
-      </p:sp>
-      <p:sp>
-        <p:nvSpPr>
-          <p:cNvPr id="3" name="Content Placeholder 2">
+            <a:r>
+              <a:rPr lang="en-IN" sz="2800" dirty="0" err="1">
+                <a:latin typeface="Arial" panose="020B0604020202020204" pitchFamily="34" charset="0"/>
+                <a:cs typeface="Arial" panose="020B0604020202020204" pitchFamily="34" charset="0"/>
+              </a:rPr>
+              <a:t>Dreaddit</a:t>
+            </a:r>
+            <a:r>
+              <a:rPr lang="en-IN" sz="2800" dirty="0">
+                <a:latin typeface="Arial" panose="020B0604020202020204" pitchFamily="34" charset="0"/>
+                <a:cs typeface="Arial" panose="020B0604020202020204" pitchFamily="34" charset="0"/>
+              </a:rPr>
+              <a:t> dataset</a:t>
+            </a:r>
+          </a:p>
+        </p:txBody>
+      </p:sp>
+      <p:sp>
+        <p:nvSpPr>
+          <p:cNvPr id="4" name="Content Placeholder 3">
             <a:extLst>
               <a:ext uri="{FF2B5EF4-FFF2-40B4-BE49-F238E27FC236}">
-                <a16:creationId xmlns:a16="http://schemas.microsoft.com/office/drawing/2014/main" id="{D32F0213-BE33-48AA-87A7-519B0D8BCA9F}"/>
+                <a16:creationId xmlns:a16="http://schemas.microsoft.com/office/drawing/2014/main" id="{2CE70D99-CDD8-4002-9927-E6056F2A8BFF}"/>
               </a:ext>
             </a:extLst>
           </p:cNvPr>
@@ -6370,337 +6537,61 @@
         </p:nvSpPr>
         <p:spPr/>
         <p:txBody>
-          <a:bodyPr>
-            <a:normAutofit/>
-          </a:bodyPr>
-          <a:lstStyle/>
-          <a:p>
-            <a:r>
-              <a:rPr lang="en-US" dirty="0"/>
-              <a:t>The dataset consists of word categories from the Linguistic Inquiry and Word Count (LIWC), a lexicon-based tool that </a:t>
-            </a:r>
-            <a:r>
-              <a:rPr lang="en-US" b="1" dirty="0"/>
-              <a:t>gives scores for psychologically relevant categories such as sadness or cognitive processes</a:t>
-            </a:r>
-            <a:r>
-              <a:rPr lang="en-US" dirty="0"/>
-              <a:t>, as a proxy for topic prevalence and expression variety</a:t>
-            </a:r>
-          </a:p>
-          <a:p>
-            <a:r>
-              <a:rPr lang="en-US" dirty="0"/>
-              <a:t>Some examples of various categories of features </a:t>
-            </a:r>
-            <a:r>
-              <a:rPr lang="en-US"/>
-              <a:t>used are: </a:t>
-            </a:r>
-            <a:endParaRPr lang="en-US" dirty="0"/>
-          </a:p>
-          <a:p>
-            <a:r>
-              <a:rPr lang="en-US" b="1" dirty="0"/>
-              <a:t>Lexical features: </a:t>
-            </a:r>
-            <a:r>
-              <a:rPr lang="en-IN" sz="1800" b="0" i="0" u="none" strike="noStrike" dirty="0" err="1">
+          <a:bodyPr/>
+          <a:lstStyle/>
+          <a:p>
+            <a:r>
+              <a:rPr lang="en-US" sz="1800" b="0" i="0" u="none" strike="noStrike" dirty="0">
                 <a:solidFill>
                   <a:srgbClr val="000000"/>
                 </a:solidFill>
                 <a:effectLst/>
-                <a:latin typeface="Calibri" panose="020F0502020204030204" pitchFamily="34" charset="0"/>
+                <a:latin typeface="Arial" panose="020B0604020202020204" pitchFamily="34" charset="0"/>
               </a:rPr>
-              <a:t>lex_liwc_Authentic</a:t>
-            </a:r>
-            <a:r>
-              <a:rPr lang="en-IN" sz="1800" b="0" i="0" u="none" strike="noStrike" dirty="0">
+              <a:t>The dataset </a:t>
+            </a:r>
+            <a:r>
+              <a:rPr lang="en-US" sz="1800" b="1" i="0" u="none" strike="noStrike" dirty="0" err="1">
                 <a:solidFill>
                   <a:srgbClr val="000000"/>
                 </a:solidFill>
                 <a:effectLst/>
-                <a:latin typeface="Calibri" panose="020F0502020204030204" pitchFamily="34" charset="0"/>
+                <a:latin typeface="Arial" panose="020B0604020202020204" pitchFamily="34" charset="0"/>
               </a:rPr>
-              <a:t>,</a:t>
-            </a:r>
-            <a:r>
-              <a:rPr lang="en-IN" dirty="0"/>
-              <a:t> </a:t>
-            </a:r>
-            <a:r>
-              <a:rPr lang="en-IN" sz="1800" b="0" i="0" u="none" strike="noStrike" dirty="0" err="1">
+              <a:t>Dreaddit</a:t>
+            </a:r>
+            <a:r>
+              <a:rPr lang="en-US" sz="1800" b="0" i="0" u="none" strike="noStrike" dirty="0">
                 <a:solidFill>
                   <a:srgbClr val="000000"/>
                 </a:solidFill>
                 <a:effectLst/>
-                <a:latin typeface="Calibri" panose="020F0502020204030204" pitchFamily="34" charset="0"/>
+                <a:latin typeface="Arial" panose="020B0604020202020204" pitchFamily="34" charset="0"/>
               </a:rPr>
-              <a:t>lex_liwc_Tone</a:t>
-            </a:r>
-            <a:r>
-              <a:rPr lang="en-IN" dirty="0"/>
-              <a:t> ,</a:t>
-            </a:r>
-            <a:r>
-              <a:rPr lang="en-IN" sz="1800" b="0" i="0" u="none" strike="noStrike" dirty="0">
+              <a:t> is a new text corpus of lengthy multi-domain social media data for the identification of various emotions. The dataset consists of 190K posts from five different categories of Reddit communities .</a:t>
+            </a:r>
+          </a:p>
+          <a:p>
+            <a:r>
+              <a:rPr lang="en-US" sz="1800" b="1" i="0" u="none" strike="noStrike" dirty="0">
                 <a:solidFill>
                   <a:srgbClr val="000000"/>
                 </a:solidFill>
                 <a:effectLst/>
-                <a:latin typeface="Calibri" panose="020F0502020204030204" pitchFamily="34" charset="0"/>
+                <a:latin typeface="Arial" panose="020B0604020202020204" pitchFamily="34" charset="0"/>
               </a:rPr>
-              <a:t> </a:t>
-            </a:r>
-            <a:r>
-              <a:rPr lang="en-IN" sz="1800" b="0" i="0" u="none" strike="noStrike" dirty="0" err="1">
-                <a:solidFill>
-                  <a:srgbClr val="000000"/>
-                </a:solidFill>
-                <a:effectLst/>
-                <a:latin typeface="Calibri" panose="020F0502020204030204" pitchFamily="34" charset="0"/>
-              </a:rPr>
-              <a:t>lex_dal_max_pleasantness</a:t>
-            </a:r>
-            <a:r>
-              <a:rPr lang="en-IN" sz="1800" b="0" i="0" u="none" strike="noStrike" dirty="0">
-                <a:solidFill>
-                  <a:srgbClr val="000000"/>
-                </a:solidFill>
-                <a:effectLst/>
-                <a:latin typeface="Calibri" panose="020F0502020204030204" pitchFamily="34" charset="0"/>
-              </a:rPr>
-              <a:t> ,</a:t>
-            </a:r>
-            <a:r>
-              <a:rPr lang="en-IN" dirty="0"/>
-              <a:t> </a:t>
-            </a:r>
-            <a:r>
-              <a:rPr lang="en-IN" sz="1800" b="0" i="0" u="none" strike="noStrike" dirty="0" err="1">
-                <a:solidFill>
-                  <a:srgbClr val="000000"/>
-                </a:solidFill>
-                <a:effectLst/>
-                <a:latin typeface="Calibri" panose="020F0502020204030204" pitchFamily="34" charset="0"/>
-              </a:rPr>
-              <a:t>lex_dal_max_activation</a:t>
-            </a:r>
-            <a:r>
-              <a:rPr lang="en-IN" sz="1800" b="0" i="0" u="none" strike="noStrike" dirty="0">
-                <a:solidFill>
-                  <a:srgbClr val="000000"/>
-                </a:solidFill>
-                <a:effectLst/>
-                <a:latin typeface="Calibri" panose="020F0502020204030204" pitchFamily="34" charset="0"/>
-              </a:rPr>
-              <a:t> ,</a:t>
-            </a:r>
-            <a:r>
-              <a:rPr lang="en-IN" dirty="0"/>
-              <a:t> </a:t>
-            </a:r>
-            <a:r>
-              <a:rPr lang="en-IN" sz="1800" b="0" i="0" u="none" strike="noStrike" dirty="0" err="1">
-                <a:solidFill>
-                  <a:srgbClr val="000000"/>
-                </a:solidFill>
-                <a:effectLst/>
-                <a:latin typeface="Calibri" panose="020F0502020204030204" pitchFamily="34" charset="0"/>
-              </a:rPr>
-              <a:t>lex_dal_max_imagery</a:t>
-            </a:r>
-            <a:r>
-              <a:rPr lang="en-IN" sz="1800" b="0" i="0" u="none" strike="noStrike" dirty="0">
-                <a:solidFill>
-                  <a:srgbClr val="000000"/>
-                </a:solidFill>
-                <a:effectLst/>
-                <a:latin typeface="Calibri" panose="020F0502020204030204" pitchFamily="34" charset="0"/>
-              </a:rPr>
-              <a:t>,</a:t>
-            </a:r>
-            <a:r>
-              <a:rPr lang="en-IN" dirty="0"/>
-              <a:t> </a:t>
-            </a:r>
-            <a:r>
-              <a:rPr lang="en-IN" sz="1800" b="0" i="0" u="none" strike="noStrike" dirty="0" err="1">
-                <a:solidFill>
-                  <a:srgbClr val="000000"/>
-                </a:solidFill>
-                <a:effectLst/>
-                <a:latin typeface="Calibri" panose="020F0502020204030204" pitchFamily="34" charset="0"/>
-              </a:rPr>
-              <a:t>lex_dal_min_pleasantness</a:t>
-            </a:r>
-            <a:r>
-              <a:rPr lang="en-IN" sz="1800" b="0" i="0" u="none" strike="noStrike" dirty="0">
-                <a:solidFill>
-                  <a:srgbClr val="000000"/>
-                </a:solidFill>
-                <a:effectLst/>
-                <a:latin typeface="Calibri" panose="020F0502020204030204" pitchFamily="34" charset="0"/>
-              </a:rPr>
-              <a:t>,</a:t>
-            </a:r>
-            <a:r>
-              <a:rPr lang="en-IN" dirty="0"/>
-              <a:t> </a:t>
-            </a:r>
-            <a:r>
-              <a:rPr lang="en-IN" sz="1800" b="0" i="0" u="none" strike="noStrike" dirty="0" err="1">
-                <a:solidFill>
-                  <a:srgbClr val="000000"/>
-                </a:solidFill>
-                <a:effectLst/>
-                <a:latin typeface="Calibri" panose="020F0502020204030204" pitchFamily="34" charset="0"/>
-              </a:rPr>
-              <a:t>lex_dal_avg_pleasantness</a:t>
-            </a:r>
-            <a:r>
-              <a:rPr lang="en-IN" sz="1800" b="0" i="0" u="none" strike="noStrike" dirty="0">
-                <a:solidFill>
-                  <a:srgbClr val="000000"/>
-                </a:solidFill>
-                <a:effectLst/>
-                <a:latin typeface="Calibri" panose="020F0502020204030204" pitchFamily="34" charset="0"/>
-              </a:rPr>
-              <a:t> </a:t>
-            </a:r>
-          </a:p>
-          <a:p>
-            <a:r>
-              <a:rPr lang="en-US" b="1" dirty="0"/>
-              <a:t>Syntactic features: </a:t>
-            </a:r>
-            <a:r>
-              <a:rPr lang="en-IN" sz="1800" b="0" i="0" u="none" strike="noStrike" dirty="0" err="1">
-                <a:solidFill>
-                  <a:srgbClr val="000000"/>
-                </a:solidFill>
-                <a:effectLst/>
-                <a:latin typeface="Calibri" panose="020F0502020204030204" pitchFamily="34" charset="0"/>
-              </a:rPr>
-              <a:t>syntax_ari</a:t>
-            </a:r>
-            <a:r>
-              <a:rPr lang="en-IN" dirty="0"/>
-              <a:t> </a:t>
-            </a:r>
-            <a:endParaRPr lang="en-IN" sz="1800" b="0" i="0" u="none" strike="noStrike" dirty="0">
-              <a:solidFill>
-                <a:srgbClr val="000000"/>
-              </a:solidFill>
-              <a:effectLst/>
-              <a:latin typeface="Calibri" panose="020F0502020204030204" pitchFamily="34" charset="0"/>
-            </a:endParaRPr>
-          </a:p>
-          <a:p>
-            <a:r>
-              <a:rPr lang="en-US" b="1" dirty="0"/>
-              <a:t>Social media features: </a:t>
-            </a:r>
-            <a:r>
-              <a:rPr lang="en-IN" sz="1800" b="0" i="0" u="none" strike="noStrike" dirty="0" err="1">
-                <a:solidFill>
-                  <a:srgbClr val="000000"/>
-                </a:solidFill>
-                <a:effectLst/>
-                <a:latin typeface="Calibri" panose="020F0502020204030204" pitchFamily="34" charset="0"/>
-              </a:rPr>
-              <a:t>social_upvote_ratio</a:t>
-            </a:r>
-            <a:r>
-              <a:rPr lang="en-IN" sz="1800" b="0" i="0" u="none" strike="noStrike" dirty="0">
-                <a:solidFill>
-                  <a:srgbClr val="000000"/>
-                </a:solidFill>
-                <a:effectLst/>
-                <a:latin typeface="Calibri" panose="020F0502020204030204" pitchFamily="34" charset="0"/>
-              </a:rPr>
-              <a:t>,</a:t>
-            </a:r>
-            <a:r>
-              <a:rPr lang="en-IN" dirty="0"/>
-              <a:t> </a:t>
-            </a:r>
-            <a:r>
-              <a:rPr lang="en-IN" sz="1800" b="0" i="0" u="none" strike="noStrike" dirty="0" err="1">
-                <a:solidFill>
-                  <a:srgbClr val="000000"/>
-                </a:solidFill>
-                <a:effectLst/>
-                <a:latin typeface="Calibri" panose="020F0502020204030204" pitchFamily="34" charset="0"/>
-              </a:rPr>
-              <a:t>social_num_comments</a:t>
-            </a:r>
-            <a:r>
-              <a:rPr lang="en-IN" dirty="0"/>
-              <a:t>, </a:t>
-            </a:r>
-            <a:r>
-              <a:rPr lang="en-IN" sz="1800" b="0" i="0" u="none" strike="noStrike" dirty="0" err="1">
-                <a:solidFill>
-                  <a:srgbClr val="000000"/>
-                </a:solidFill>
-                <a:effectLst/>
-                <a:latin typeface="Calibri" panose="020F0502020204030204" pitchFamily="34" charset="0"/>
-              </a:rPr>
-              <a:t>syntax_fk_grade</a:t>
-            </a:r>
-            <a:r>
-              <a:rPr lang="en-IN" dirty="0"/>
-              <a:t> </a:t>
-            </a:r>
-            <a:r>
-              <a:rPr lang="en-IN" sz="1800" b="0" i="0" u="none" strike="noStrike" dirty="0">
-                <a:solidFill>
-                  <a:srgbClr val="000000"/>
-                </a:solidFill>
-                <a:effectLst/>
-                <a:latin typeface="Calibri" panose="020F0502020204030204" pitchFamily="34" charset="0"/>
-              </a:rPr>
-              <a:t>sentiment , </a:t>
-            </a:r>
-            <a:r>
-              <a:rPr lang="en-IN" sz="1800" b="0" i="0" u="none" strike="noStrike" dirty="0" err="1">
-                <a:solidFill>
-                  <a:srgbClr val="000000"/>
-                </a:solidFill>
-                <a:effectLst/>
-                <a:latin typeface="Calibri" panose="020F0502020204030204" pitchFamily="34" charset="0"/>
-              </a:rPr>
-              <a:t>social_timestamp</a:t>
-            </a:r>
-            <a:r>
-              <a:rPr lang="en-IN" dirty="0"/>
-              <a:t> , </a:t>
-            </a:r>
-            <a:r>
-              <a:rPr lang="en-IN" sz="1800" b="0" i="0" u="none" strike="noStrike" dirty="0" err="1">
-                <a:solidFill>
-                  <a:srgbClr val="000000"/>
-                </a:solidFill>
-                <a:effectLst/>
-                <a:latin typeface="Calibri" panose="020F0502020204030204" pitchFamily="34" charset="0"/>
-              </a:rPr>
-              <a:t>social_karma</a:t>
-            </a:r>
-            <a:r>
-              <a:rPr lang="en-IN" dirty="0"/>
-              <a:t> </a:t>
-            </a:r>
-          </a:p>
-          <a:p>
-            <a:endParaRPr lang="en-US" dirty="0"/>
+              <a:t>We use the ‘Text’ and ‘Label’ column for our model .</a:t>
+            </a:r>
+          </a:p>
+          <a:p>
+            <a:endParaRPr lang="en-IN" dirty="0"/>
           </a:p>
         </p:txBody>
       </p:sp>
     </p:spTree>
     <p:extLst>
       <p:ext uri="{BB962C8B-B14F-4D97-AF65-F5344CB8AC3E}">
-        <p14:creationId xmlns:p14="http://schemas.microsoft.com/office/powerpoint/2010/main" val="723138695"/>
+        <p14:creationId xmlns:p14="http://schemas.microsoft.com/office/powerpoint/2010/main" val="3008006611"/>
       </p:ext>
     </p:extLst>
   </p:cSld>
@@ -6732,6 +6623,113 @@
           <p:cNvPr id="2" name="Title 1">
             <a:extLst>
               <a:ext uri="{FF2B5EF4-FFF2-40B4-BE49-F238E27FC236}">
+                <a16:creationId xmlns:a16="http://schemas.microsoft.com/office/drawing/2014/main" id="{7A3737A3-B6CC-4002-8D8D-807904DFCDD2}"/>
+              </a:ext>
+            </a:extLst>
+          </p:cNvPr>
+          <p:cNvSpPr>
+            <a:spLocks noGrp="1"/>
+          </p:cNvSpPr>
+          <p:nvPr>
+            <p:ph type="title"/>
+          </p:nvPr>
+        </p:nvSpPr>
+        <p:spPr/>
+        <p:txBody>
+          <a:bodyPr/>
+          <a:lstStyle/>
+          <a:p>
+            <a:r>
+              <a:rPr lang="en-IN" dirty="0"/>
+              <a:t>Example from dataset</a:t>
+            </a:r>
+          </a:p>
+        </p:txBody>
+      </p:sp>
+      <p:pic>
+        <p:nvPicPr>
+          <p:cNvPr id="3074" name="Picture 2">
+            <a:extLst>
+              <a:ext uri="{FF2B5EF4-FFF2-40B4-BE49-F238E27FC236}">
+                <a16:creationId xmlns:a16="http://schemas.microsoft.com/office/drawing/2014/main" id="{93537782-34CB-46E8-A4F1-23F3C1727E4E}"/>
+              </a:ext>
+            </a:extLst>
+          </p:cNvPr>
+          <p:cNvPicPr>
+            <a:picLocks noGrp="1" noChangeAspect="1" noChangeArrowheads="1"/>
+          </p:cNvPicPr>
+          <p:nvPr>
+            <p:ph idx="1"/>
+          </p:nvPr>
+        </p:nvPicPr>
+        <p:blipFill>
+          <a:blip r:embed="rId2">
+            <a:extLst>
+              <a:ext uri="{28A0092B-C50C-407E-A947-70E740481C1C}">
+                <a14:useLocalDpi xmlns:a14="http://schemas.microsoft.com/office/drawing/2010/main" val="0"/>
+              </a:ext>
+            </a:extLst>
+          </a:blip>
+          <a:srcRect/>
+          <a:stretch>
+            <a:fillRect/>
+          </a:stretch>
+        </p:blipFill>
+        <p:spPr bwMode="auto">
+          <a:xfrm>
+            <a:off x="2161381" y="2182019"/>
+            <a:ext cx="5629275" cy="3838575"/>
+          </a:xfrm>
+          <a:prstGeom prst="rect">
+            <a:avLst/>
+          </a:prstGeom>
+          <a:noFill/>
+          <a:extLst>
+            <a:ext uri="{909E8E84-426E-40DD-AFC4-6F175D3DCCD1}">
+              <a14:hiddenFill xmlns:a14="http://schemas.microsoft.com/office/drawing/2010/main">
+                <a:solidFill>
+                  <a:srgbClr val="FFFFFF"/>
+                </a:solidFill>
+              </a14:hiddenFill>
+            </a:ext>
+          </a:extLst>
+        </p:spPr>
+      </p:pic>
+    </p:spTree>
+    <p:extLst>
+      <p:ext uri="{BB962C8B-B14F-4D97-AF65-F5344CB8AC3E}">
+        <p14:creationId xmlns:p14="http://schemas.microsoft.com/office/powerpoint/2010/main" val="3973415055"/>
+      </p:ext>
+    </p:extLst>
+  </p:cSld>
+  <p:clrMapOvr>
+    <a:masterClrMapping/>
+  </p:clrMapOvr>
+</p:sld>
+</file>
+
+<file path=ppt/slides/slide7.xml><?xml version="1.0" encoding="utf-8"?>
+<p:sld xmlns:a="http://schemas.openxmlformats.org/drawingml/2006/main" xmlns:r="http://schemas.openxmlformats.org/officeDocument/2006/relationships" xmlns:p="http://schemas.openxmlformats.org/presentationml/2006/main">
+  <p:cSld>
+    <p:spTree>
+      <p:nvGrpSpPr>
+        <p:cNvPr id="1" name=""/>
+        <p:cNvGrpSpPr/>
+        <p:nvPr/>
+      </p:nvGrpSpPr>
+      <p:grpSpPr>
+        <a:xfrm>
+          <a:off x="0" y="0"/>
+          <a:ext cx="0" cy="0"/>
+          <a:chOff x="0" y="0"/>
+          <a:chExt cx="0" cy="0"/>
+        </a:xfrm>
+      </p:grpSpPr>
+      <p:sp>
+        <p:nvSpPr>
+          <p:cNvPr id="2" name="Title 1">
+            <a:extLst>
+              <a:ext uri="{FF2B5EF4-FFF2-40B4-BE49-F238E27FC236}">
                 <a16:creationId xmlns:a16="http://schemas.microsoft.com/office/drawing/2014/main" id="{ACD9321B-9FE5-4A3D-9606-4B74051C668E}"/>
               </a:ext>
             </a:extLst>
@@ -6794,6 +6792,365 @@
     <p:extLst>
       <p:ext uri="{BB962C8B-B14F-4D97-AF65-F5344CB8AC3E}">
         <p14:creationId xmlns:p14="http://schemas.microsoft.com/office/powerpoint/2010/main" val="2524907180"/>
+      </p:ext>
+    </p:extLst>
+  </p:cSld>
+  <p:clrMapOvr>
+    <a:masterClrMapping/>
+  </p:clrMapOvr>
+</p:sld>
+</file>
+
+<file path=ppt/slides/slide8.xml><?xml version="1.0" encoding="utf-8"?>
+<p:sld xmlns:a="http://schemas.openxmlformats.org/drawingml/2006/main" xmlns:r="http://schemas.openxmlformats.org/officeDocument/2006/relationships" xmlns:p="http://schemas.openxmlformats.org/presentationml/2006/main">
+  <p:cSld>
+    <p:spTree>
+      <p:nvGrpSpPr>
+        <p:cNvPr id="1" name=""/>
+        <p:cNvGrpSpPr/>
+        <p:nvPr/>
+      </p:nvGrpSpPr>
+      <p:grpSpPr>
+        <a:xfrm>
+          <a:off x="0" y="0"/>
+          <a:ext cx="0" cy="0"/>
+          <a:chOff x="0" y="0"/>
+          <a:chExt cx="0" cy="0"/>
+        </a:xfrm>
+      </p:grpSpPr>
+      <p:sp>
+        <p:nvSpPr>
+          <p:cNvPr id="2" name="Title 1">
+            <a:extLst>
+              <a:ext uri="{FF2B5EF4-FFF2-40B4-BE49-F238E27FC236}">
+                <a16:creationId xmlns:a16="http://schemas.microsoft.com/office/drawing/2014/main" id="{85804158-648E-4B34-848F-B895153B91D9}"/>
+              </a:ext>
+            </a:extLst>
+          </p:cNvPr>
+          <p:cNvSpPr>
+            <a:spLocks noGrp="1"/>
+          </p:cNvSpPr>
+          <p:nvPr>
+            <p:ph type="title"/>
+          </p:nvPr>
+        </p:nvSpPr>
+        <p:spPr/>
+        <p:txBody>
+          <a:bodyPr/>
+          <a:lstStyle/>
+          <a:p>
+            <a:r>
+              <a:rPr lang="en-IN" dirty="0"/>
+              <a:t>Techniques Used</a:t>
+            </a:r>
+          </a:p>
+        </p:txBody>
+      </p:sp>
+      <p:sp>
+        <p:nvSpPr>
+          <p:cNvPr id="3" name="Content Placeholder 2">
+            <a:extLst>
+              <a:ext uri="{FF2B5EF4-FFF2-40B4-BE49-F238E27FC236}">
+                <a16:creationId xmlns:a16="http://schemas.microsoft.com/office/drawing/2014/main" id="{3B01F876-DBAF-4E72-ABE4-92143B3E6C96}"/>
+              </a:ext>
+            </a:extLst>
+          </p:cNvPr>
+          <p:cNvSpPr>
+            <a:spLocks noGrp="1"/>
+          </p:cNvSpPr>
+          <p:nvPr>
+            <p:ph idx="1"/>
+          </p:nvPr>
+        </p:nvSpPr>
+        <p:spPr/>
+        <p:txBody>
+          <a:bodyPr/>
+          <a:lstStyle/>
+          <a:p>
+            <a:r>
+              <a:rPr lang="en-IN" sz="1800" b="1" i="0" u="none" strike="noStrike" dirty="0">
+                <a:solidFill>
+                  <a:srgbClr val="000000"/>
+                </a:solidFill>
+                <a:effectLst/>
+                <a:latin typeface="Liberation Serif"/>
+              </a:rPr>
+              <a:t>Text </a:t>
+            </a:r>
+            <a:r>
+              <a:rPr lang="en-IN" sz="1800" b="1" i="0" u="none" strike="noStrike" dirty="0" err="1">
+                <a:solidFill>
+                  <a:srgbClr val="000000"/>
+                </a:solidFill>
+                <a:effectLst/>
+                <a:latin typeface="Liberation Serif"/>
+              </a:rPr>
+              <a:t>Preprocessing</a:t>
+            </a:r>
+            <a:endParaRPr lang="en-IN" sz="1800" b="1" i="0" u="none" strike="noStrike" dirty="0">
+              <a:solidFill>
+                <a:srgbClr val="000000"/>
+              </a:solidFill>
+              <a:effectLst/>
+              <a:latin typeface="Liberation Serif"/>
+            </a:endParaRPr>
+          </a:p>
+          <a:p>
+            <a:r>
+              <a:rPr lang="en-US" sz="1800" b="0" i="0" u="none" strike="noStrike" dirty="0">
+                <a:solidFill>
+                  <a:srgbClr val="000000"/>
+                </a:solidFill>
+                <a:effectLst/>
+                <a:latin typeface="Liberation Serif"/>
+              </a:rPr>
+              <a:t>         Taking text in range of a-z or A-Z</a:t>
+            </a:r>
+            <a:r>
+              <a:rPr lang="en-IN" b="1" dirty="0">
+                <a:solidFill>
+                  <a:srgbClr val="000000"/>
+                </a:solidFill>
+                <a:latin typeface="Liberation Serif"/>
+              </a:rPr>
+              <a:t> </a:t>
+            </a:r>
+          </a:p>
+          <a:p>
+            <a:r>
+              <a:rPr lang="en-IN" sz="1800" b="0" i="0" u="none" strike="noStrike" dirty="0">
+                <a:solidFill>
+                  <a:srgbClr val="000000"/>
+                </a:solidFill>
+                <a:effectLst/>
+                <a:latin typeface="Liberation Serif"/>
+              </a:rPr>
+              <a:t>          Lowering the words </a:t>
+            </a:r>
+          </a:p>
+          <a:p>
+            <a:r>
+              <a:rPr lang="en-IN" dirty="0">
+                <a:solidFill>
+                  <a:srgbClr val="000000"/>
+                </a:solidFill>
+                <a:latin typeface="Liberation Serif"/>
+              </a:rPr>
+              <a:t>          </a:t>
+            </a:r>
+            <a:r>
+              <a:rPr lang="en-IN" dirty="0" err="1">
+                <a:solidFill>
+                  <a:srgbClr val="000000"/>
+                </a:solidFill>
+                <a:latin typeface="Liberation Serif"/>
+              </a:rPr>
+              <a:t>Stopwords</a:t>
+            </a:r>
+            <a:r>
+              <a:rPr lang="en-IN" dirty="0">
+                <a:solidFill>
+                  <a:srgbClr val="000000"/>
+                </a:solidFill>
+                <a:latin typeface="Liberation Serif"/>
+              </a:rPr>
+              <a:t> Removal</a:t>
+            </a:r>
+            <a:endParaRPr lang="en-IN" sz="1800" b="1" i="0" u="none" strike="noStrike" dirty="0">
+              <a:solidFill>
+                <a:srgbClr val="000000"/>
+              </a:solidFill>
+              <a:effectLst/>
+              <a:latin typeface="Liberation Serif"/>
+            </a:endParaRPr>
+          </a:p>
+          <a:p>
+            <a:r>
+              <a:rPr lang="en-IN" sz="1800" b="0" i="0" u="none" strike="noStrike" dirty="0">
+                <a:solidFill>
+                  <a:srgbClr val="000000"/>
+                </a:solidFill>
+                <a:effectLst/>
+                <a:latin typeface="Liberation Serif"/>
+              </a:rPr>
+              <a:t>          Lemmatization</a:t>
+            </a:r>
+            <a:endParaRPr lang="en-IN" b="1" dirty="0">
+              <a:solidFill>
+                <a:srgbClr val="000000"/>
+              </a:solidFill>
+              <a:latin typeface="Liberation Serif"/>
+            </a:endParaRPr>
+          </a:p>
+          <a:p>
+            <a:r>
+              <a:rPr lang="en-IN" sz="1800" b="0" i="0" u="none" strike="noStrike" dirty="0">
+                <a:solidFill>
+                  <a:srgbClr val="000000"/>
+                </a:solidFill>
+                <a:effectLst/>
+                <a:latin typeface="Liberation Serif"/>
+              </a:rPr>
+              <a:t>          Stemming </a:t>
+            </a:r>
+          </a:p>
+          <a:p>
+            <a:r>
+              <a:rPr lang="en-IN" sz="1800" b="1" i="0" u="none" strike="noStrike" dirty="0">
+                <a:solidFill>
+                  <a:srgbClr val="000000"/>
+                </a:solidFill>
+                <a:effectLst/>
+                <a:latin typeface="Liberation Serif"/>
+              </a:rPr>
+              <a:t>Creating Bag of Words</a:t>
+            </a:r>
+          </a:p>
+          <a:p>
+            <a:r>
+              <a:rPr lang="en-IN" sz="1800" b="1" i="0" u="none" strike="noStrike" dirty="0">
+                <a:solidFill>
+                  <a:srgbClr val="000000"/>
+                </a:solidFill>
+                <a:effectLst/>
+                <a:latin typeface="Liberation Serif"/>
+              </a:rPr>
+              <a:t>Training the Model – </a:t>
+            </a:r>
+            <a:r>
+              <a:rPr lang="en-IN" sz="1800" i="0" u="none" strike="noStrike" dirty="0">
+                <a:solidFill>
+                  <a:srgbClr val="000000"/>
+                </a:solidFill>
+                <a:effectLst/>
+                <a:latin typeface="Liberation Serif"/>
+              </a:rPr>
+              <a:t>Applied various classification algorithms like SVM , Naïve Bayes , Random Forest , Logistic Regression , K-NN , Decision Tree</a:t>
+            </a:r>
+            <a:endParaRPr lang="en-IN" sz="1800" b="1" i="0" u="none" strike="noStrike" dirty="0">
+              <a:solidFill>
+                <a:srgbClr val="000000"/>
+              </a:solidFill>
+              <a:effectLst/>
+              <a:latin typeface="Liberation Serif"/>
+            </a:endParaRPr>
+          </a:p>
+          <a:p>
+            <a:r>
+              <a:rPr lang="en-IN" sz="1800" b="1" i="0" u="none" strike="noStrike" dirty="0">
+                <a:solidFill>
+                  <a:srgbClr val="000000"/>
+                </a:solidFill>
+                <a:effectLst/>
+                <a:latin typeface="Liberation Serif"/>
+              </a:rPr>
+              <a:t>Tuning the Hyperparameters</a:t>
+            </a:r>
+          </a:p>
+          <a:p>
+            <a:endParaRPr lang="en-IN" sz="1800" b="1" i="0" u="none" strike="noStrike" dirty="0">
+              <a:solidFill>
+                <a:srgbClr val="000000"/>
+              </a:solidFill>
+              <a:effectLst/>
+              <a:latin typeface="Liberation Serif"/>
+            </a:endParaRPr>
+          </a:p>
+          <a:p>
+            <a:endParaRPr lang="en-IN" dirty="0"/>
+          </a:p>
+        </p:txBody>
+      </p:sp>
+    </p:spTree>
+    <p:extLst>
+      <p:ext uri="{BB962C8B-B14F-4D97-AF65-F5344CB8AC3E}">
+        <p14:creationId xmlns:p14="http://schemas.microsoft.com/office/powerpoint/2010/main" val="3979309201"/>
+      </p:ext>
+    </p:extLst>
+  </p:cSld>
+  <p:clrMapOvr>
+    <a:masterClrMapping/>
+  </p:clrMapOvr>
+</p:sld>
+</file>
+
+<file path=ppt/slides/slide9.xml><?xml version="1.0" encoding="utf-8"?>
+<p:sld xmlns:a="http://schemas.openxmlformats.org/drawingml/2006/main" xmlns:r="http://schemas.openxmlformats.org/officeDocument/2006/relationships" xmlns:p="http://schemas.openxmlformats.org/presentationml/2006/main">
+  <p:cSld>
+    <p:spTree>
+      <p:nvGrpSpPr>
+        <p:cNvPr id="1" name=""/>
+        <p:cNvGrpSpPr/>
+        <p:nvPr/>
+      </p:nvGrpSpPr>
+      <p:grpSpPr>
+        <a:xfrm>
+          <a:off x="0" y="0"/>
+          <a:ext cx="0" cy="0"/>
+          <a:chOff x="0" y="0"/>
+          <a:chExt cx="0" cy="0"/>
+        </a:xfrm>
+      </p:grpSpPr>
+      <p:sp>
+        <p:nvSpPr>
+          <p:cNvPr id="2" name="Title 1">
+            <a:extLst>
+              <a:ext uri="{FF2B5EF4-FFF2-40B4-BE49-F238E27FC236}">
+                <a16:creationId xmlns:a16="http://schemas.microsoft.com/office/drawing/2014/main" id="{1EF24096-589F-45FD-B194-7889717C27A0}"/>
+              </a:ext>
+            </a:extLst>
+          </p:cNvPr>
+          <p:cNvSpPr>
+            <a:spLocks noGrp="1"/>
+          </p:cNvSpPr>
+          <p:nvPr>
+            <p:ph type="title"/>
+          </p:nvPr>
+        </p:nvSpPr>
+        <p:spPr/>
+        <p:txBody>
+          <a:bodyPr/>
+          <a:lstStyle/>
+          <a:p>
+            <a:r>
+              <a:rPr lang="en-IN" dirty="0"/>
+              <a:t>Demo</a:t>
+            </a:r>
+          </a:p>
+        </p:txBody>
+      </p:sp>
+      <p:sp>
+        <p:nvSpPr>
+          <p:cNvPr id="3" name="Content Placeholder 2">
+            <a:extLst>
+              <a:ext uri="{FF2B5EF4-FFF2-40B4-BE49-F238E27FC236}">
+                <a16:creationId xmlns:a16="http://schemas.microsoft.com/office/drawing/2014/main" id="{389B06F0-8D22-46FC-96A8-4D4A83FDA3CB}"/>
+              </a:ext>
+            </a:extLst>
+          </p:cNvPr>
+          <p:cNvSpPr>
+            <a:spLocks noGrp="1"/>
+          </p:cNvSpPr>
+          <p:nvPr>
+            <p:ph idx="1"/>
+          </p:nvPr>
+        </p:nvSpPr>
+        <p:spPr/>
+        <p:txBody>
+          <a:bodyPr/>
+          <a:lstStyle/>
+          <a:p>
+            <a:r>
+              <a:rPr lang="en-IN" dirty="0"/>
+              <a:t>Continued….</a:t>
+            </a:r>
+          </a:p>
+        </p:txBody>
+      </p:sp>
+    </p:spTree>
+    <p:extLst>
+      <p:ext uri="{BB962C8B-B14F-4D97-AF65-F5344CB8AC3E}">
+        <p14:creationId xmlns:p14="http://schemas.microsoft.com/office/powerpoint/2010/main" val="3435432085"/>
       </p:ext>
     </p:extLst>
   </p:cSld>
